--- a/Twitter e TV DIGITAL.pptx
+++ b/Twitter e TV DIGITAL.pptx
@@ -21,6 +21,12 @@
     <p:sldId id="266" r:id="rId18"/>
     <p:sldId id="267" r:id="rId19"/>
     <p:sldId id="268" r:id="rId20"/>
+    <p:sldId id="269" r:id="rId21"/>
+    <p:sldId id="270" r:id="rId22"/>
+    <p:sldId id="271" r:id="rId23"/>
+    <p:sldId id="272" r:id="rId24"/>
+    <p:sldId id="273" r:id="rId25"/>
+    <p:sldId id="274" r:id="rId26"/>
   </p:sldIdLst>
   <p:sldSz cx="9144000" cy="6858000"/>
   <p:notesSz cx="6858000" cy="9144000"/>
@@ -312,11 +318,6 @@
           <a:prstGeom prst="rect">
             <a:avLst/>
           </a:prstGeom>
-          <a:extLst>
-            <a:ext uri="{C572A759-6A51-4108-AA02-DFA0A04FC94B}">
-              <ma14:wrappingTextBoxFlag xmlns:ma14="http://schemas.microsoft.com/office/mac/drawingml/2011/main" val="1"/>
-            </a:ext>
-          </a:extLst>
         </p:spPr>
         <p:txBody>
           <a:bodyPr/>
@@ -327,7 +328,7 @@
             </a:pPr>
             <a:r>
               <a:rPr sz="3600"/>
-              <a:t>Click to edit Master title style</a:t>
+              <a:t>Texto do Título</a:t>
             </a:r>
           </a:p>
         </p:txBody>
@@ -348,11 +349,6 @@
           <a:prstGeom prst="rect">
             <a:avLst/>
           </a:prstGeom>
-          <a:extLst>
-            <a:ext uri="{C572A759-6A51-4108-AA02-DFA0A04FC94B}">
-              <ma14:wrappingTextBoxFlag xmlns:ma14="http://schemas.microsoft.com/office/mac/drawingml/2011/main" val="1"/>
-            </a:ext>
-          </a:extLst>
         </p:spPr>
         <p:txBody>
           <a:bodyPr/>
@@ -361,6 +357,22 @@
               <a:buSzTx/>
               <a:buNone/>
             </a:lvl1pPr>
+            <a:lvl2pPr marL="0" indent="457200" algn="ctr">
+              <a:buSzTx/>
+              <a:buNone/>
+            </a:lvl2pPr>
+            <a:lvl3pPr marL="0" indent="914400" algn="ctr">
+              <a:buSzTx/>
+              <a:buNone/>
+            </a:lvl3pPr>
+            <a:lvl4pPr marL="0" indent="1371600" algn="ctr">
+              <a:buSzTx/>
+              <a:buNone/>
+            </a:lvl4pPr>
+            <a:lvl5pPr marL="0" indent="1828800" algn="ctr">
+              <a:buSzTx/>
+              <a:buNone/>
+            </a:lvl5pPr>
           </a:lstStyle>
           <a:p>
             <a:pPr lvl="0">
@@ -368,7 +380,47 @@
             </a:pPr>
             <a:r>
               <a:rPr sz="2800"/>
-              <a:t>Click to edit Master subtitle style</a:t>
+              <a:t>Nível de Corpo Um</a:t>
+            </a:r>
+            <a:endParaRPr sz="2800"/>
+          </a:p>
+          <a:p>
+            <a:pPr lvl="1">
+              <a:defRPr sz="1800"/>
+            </a:pPr>
+            <a:r>
+              <a:rPr sz="2800"/>
+              <a:t>Nível de Corpo Dois</a:t>
+            </a:r>
+            <a:endParaRPr sz="2800"/>
+          </a:p>
+          <a:p>
+            <a:pPr lvl="2">
+              <a:defRPr sz="1800"/>
+            </a:pPr>
+            <a:r>
+              <a:rPr sz="2800"/>
+              <a:t>Nível de Corpo Três</a:t>
+            </a:r>
+            <a:endParaRPr sz="2800"/>
+          </a:p>
+          <a:p>
+            <a:pPr lvl="3">
+              <a:defRPr sz="1800"/>
+            </a:pPr>
+            <a:r>
+              <a:rPr sz="2800"/>
+              <a:t>Nível de Corpo Quatro</a:t>
+            </a:r>
+            <a:endParaRPr sz="2800"/>
+          </a:p>
+          <a:p>
+            <a:pPr lvl="4">
+              <a:defRPr sz="1800"/>
+            </a:pPr>
+            <a:r>
+              <a:rPr sz="2800"/>
+              <a:t>Nível de Corpo Cinco</a:t>
             </a:r>
           </a:p>
         </p:txBody>
@@ -749,7 +801,7 @@
         <p:grpSpPr>
           <a:xfrm>
             <a:off x="-6350" y="6624725"/>
-            <a:ext cx="9150350" cy="350662"/>
+            <a:ext cx="9150350" cy="350663"/>
             <a:chOff x="0" y="0"/>
             <a:chExt cx="9150349" cy="350661"/>
           </a:xfrm>
@@ -842,8 +894,8 @@
             </p:nvSpPr>
             <p:spPr>
               <a:xfrm>
-                <a:off x="680555" y="0"/>
-                <a:ext cx="167653" cy="350662"/>
+                <a:off x="680555" y="-1"/>
+                <a:ext cx="167653" cy="350663"/>
               </a:xfrm>
               <a:prstGeom prst="rect">
                 <a:avLst/>
@@ -1079,7 +1131,13 @@
           <a:bodyPr/>
           <a:lstStyle/>
           <a:p>
-            <a:pPr lvl="0"/>
+            <a:pPr lvl="0">
+              <a:defRPr sz="1800"/>
+            </a:pPr>
+            <a:r>
+              <a:rPr sz="3600"/>
+              <a:t>Texto do Título</a:t>
+            </a:r>
           </a:p>
         </p:txBody>
       </p:sp>
@@ -1098,13 +1156,81 @@
         </p:spPr>
         <p:txBody>
           <a:bodyPr/>
-          <a:lstStyle/>
-          <a:p>
-            <a:pPr lvl="0">
+          <a:lstStyle>
+            <a:lvl1pPr>
               <a:buBlip>
                 <a:blip r:embed="rId2"/>
               </a:buBlip>
-            </a:pPr>
+            </a:lvl1pPr>
+            <a:lvl2pPr>
+              <a:buBlip>
+                <a:blip r:embed="rId2"/>
+              </a:buBlip>
+            </a:lvl2pPr>
+            <a:lvl3pPr>
+              <a:buBlip>
+                <a:blip r:embed="rId2"/>
+              </a:buBlip>
+            </a:lvl3pPr>
+            <a:lvl4pPr>
+              <a:buBlip>
+                <a:blip r:embed="rId2"/>
+              </a:buBlip>
+            </a:lvl4pPr>
+            <a:lvl5pPr>
+              <a:buBlip>
+                <a:blip r:embed="rId2"/>
+              </a:buBlip>
+            </a:lvl5pPr>
+          </a:lstStyle>
+          <a:p>
+            <a:pPr lvl="0">
+              <a:defRPr sz="1800"/>
+            </a:pPr>
+            <a:r>
+              <a:rPr sz="2800"/>
+              <a:t>Nível de Corpo Um</a:t>
+            </a:r>
+            <a:endParaRPr sz="2800"/>
+          </a:p>
+          <a:p>
+            <a:pPr lvl="1">
+              <a:defRPr sz="1800"/>
+            </a:pPr>
+            <a:r>
+              <a:rPr sz="2800"/>
+              <a:t>Nível de Corpo Dois</a:t>
+            </a:r>
+            <a:endParaRPr sz="2800"/>
+          </a:p>
+          <a:p>
+            <a:pPr lvl="2">
+              <a:defRPr sz="1800"/>
+            </a:pPr>
+            <a:r>
+              <a:rPr sz="2800"/>
+              <a:t>Nível de Corpo Três</a:t>
+            </a:r>
+            <a:endParaRPr sz="2800"/>
+          </a:p>
+          <a:p>
+            <a:pPr lvl="3">
+              <a:defRPr sz="1800"/>
+            </a:pPr>
+            <a:r>
+              <a:rPr sz="2800"/>
+              <a:t>Nível de Corpo Quatro</a:t>
+            </a:r>
+            <a:endParaRPr sz="2800"/>
+          </a:p>
+          <a:p>
+            <a:pPr lvl="4">
+              <a:defRPr sz="1800"/>
+            </a:pPr>
+            <a:r>
+              <a:rPr sz="2800"/>
+              <a:t>Nível de Corpo Cinco</a:t>
+            </a:r>
           </a:p>
         </p:txBody>
       </p:sp>
@@ -1517,7 +1643,7 @@
         <p:grpSpPr>
           <a:xfrm>
             <a:off x="-6350" y="6624725"/>
-            <a:ext cx="9150350" cy="350662"/>
+            <a:ext cx="9150350" cy="350663"/>
             <a:chOff x="0" y="0"/>
             <a:chExt cx="9150349" cy="350661"/>
           </a:xfrm>
@@ -1610,8 +1736,8 @@
             </p:nvSpPr>
             <p:spPr>
               <a:xfrm>
-                <a:off x="680555" y="0"/>
-                <a:ext cx="167653" cy="350662"/>
+                <a:off x="680555" y="-1"/>
+                <a:ext cx="167653" cy="350663"/>
               </a:xfrm>
               <a:prstGeom prst="rect">
                 <a:avLst/>
@@ -1823,12 +1949,23 @@
           <a:ln w="12700">
             <a:miter lim="400000"/>
           </a:ln>
+          <a:extLst>
+            <a:ext uri="{C572A759-6A51-4108-AA02-DFA0A04FC94B}">
+              <ma14:wrappingTextBoxFlag xmlns:ma14="http://schemas.microsoft.com/office/mac/drawingml/2011/main" val="1"/>
+            </a:ext>
+          </a:extLst>
         </p:spPr>
         <p:txBody>
           <a:bodyPr lIns="45719" rIns="45719" anchor="ctr"/>
           <a:lstStyle/>
           <a:p>
-            <a:pPr lvl="0"/>
+            <a:pPr lvl="0">
+              <a:defRPr sz="1800"/>
+            </a:pPr>
+            <a:r>
+              <a:rPr sz="3600"/>
+              <a:t>Texto do Título</a:t>
+            </a:r>
           </a:p>
         </p:txBody>
       </p:sp>
@@ -1851,16 +1988,89 @@
           <a:ln w="12700">
             <a:miter lim="400000"/>
           </a:ln>
+          <a:extLst>
+            <a:ext uri="{C572A759-6A51-4108-AA02-DFA0A04FC94B}">
+              <ma14:wrappingTextBoxFlag xmlns:ma14="http://schemas.microsoft.com/office/mac/drawingml/2011/main" val="1"/>
+            </a:ext>
+          </a:extLst>
         </p:spPr>
         <p:txBody>
           <a:bodyPr lIns="45719" rIns="45719"/>
-          <a:lstStyle/>
-          <a:p>
-            <a:pPr lvl="0">
+          <a:lstStyle>
+            <a:lvl1pPr>
               <a:buBlip>
                 <a:blip r:embed="rId4"/>
               </a:buBlip>
-            </a:pPr>
+            </a:lvl1pPr>
+            <a:lvl2pPr>
+              <a:buBlip>
+                <a:blip r:embed="rId4"/>
+              </a:buBlip>
+            </a:lvl2pPr>
+            <a:lvl3pPr>
+              <a:buBlip>
+                <a:blip r:embed="rId4"/>
+              </a:buBlip>
+            </a:lvl3pPr>
+            <a:lvl4pPr>
+              <a:buBlip>
+                <a:blip r:embed="rId4"/>
+              </a:buBlip>
+            </a:lvl4pPr>
+            <a:lvl5pPr>
+              <a:buBlip>
+                <a:blip r:embed="rId4"/>
+              </a:buBlip>
+            </a:lvl5pPr>
+          </a:lstStyle>
+          <a:p>
+            <a:pPr lvl="0">
+              <a:defRPr sz="1800"/>
+            </a:pPr>
+            <a:r>
+              <a:rPr sz="2800"/>
+              <a:t>Nível de Corpo Um</a:t>
+            </a:r>
+            <a:endParaRPr sz="2800"/>
+          </a:p>
+          <a:p>
+            <a:pPr lvl="1">
+              <a:defRPr sz="1800"/>
+            </a:pPr>
+            <a:r>
+              <a:rPr sz="2800"/>
+              <a:t>Nível de Corpo Dois</a:t>
+            </a:r>
+            <a:endParaRPr sz="2800"/>
+          </a:p>
+          <a:p>
+            <a:pPr lvl="2">
+              <a:defRPr sz="1800"/>
+            </a:pPr>
+            <a:r>
+              <a:rPr sz="2800"/>
+              <a:t>Nível de Corpo Três</a:t>
+            </a:r>
+            <a:endParaRPr sz="2800"/>
+          </a:p>
+          <a:p>
+            <a:pPr lvl="3">
+              <a:defRPr sz="1800"/>
+            </a:pPr>
+            <a:r>
+              <a:rPr sz="2800"/>
+              <a:t>Nível de Corpo Quatro</a:t>
+            </a:r>
+            <a:endParaRPr sz="2800"/>
+          </a:p>
+          <a:p>
+            <a:pPr lvl="4">
+              <a:defRPr sz="1800"/>
+            </a:pPr>
+            <a:r>
+              <a:rPr sz="2800"/>
+              <a:t>Nível de Corpo Cinco</a:t>
+            </a:r>
           </a:p>
         </p:txBody>
       </p:sp>
@@ -2211,88 +2421,53 @@
           <p:cNvPr id="55" name="Shape 55"/>
           <p:cNvSpPr/>
           <p:nvPr>
-            <p:ph type="title"/>
+            <p:ph type="body" idx="1"/>
           </p:nvPr>
         </p:nvSpPr>
         <p:spPr>
-          <a:xfrm>
-            <a:off x="611187" y="4005262"/>
-            <a:ext cx="7847013" cy="792163"/>
-          </a:xfrm>
           <a:prstGeom prst="rect">
             <a:avLst/>
           </a:prstGeom>
         </p:spPr>
         <p:txBody>
-          <a:bodyPr lIns="0" tIns="0" rIns="0" bIns="0">
-            <a:normAutofit fontScale="100000" lnSpcReduction="0"/>
-          </a:bodyPr>
-          <a:lstStyle>
-            <a:lvl1pPr algn="ctr">
-              <a:defRPr>
-                <a:latin typeface="Arial Bold"/>
-                <a:ea typeface="Arial Bold"/>
-                <a:cs typeface="Arial Bold"/>
-                <a:sym typeface="Arial Bold"/>
-              </a:defRPr>
-            </a:lvl1pPr>
-          </a:lstStyle>
+          <a:bodyPr/>
+          <a:lstStyle/>
           <a:p>
             <a:pPr lvl="0">
-              <a:defRPr sz="1800"/>
-            </a:pPr>
-            <a:r>
-              <a:rPr sz="3600"/>
-              <a:t>TV DIGITAL – Xxxx</a:t>
-            </a:r>
+              <a:buBlip>
+                <a:blip r:embed="rId2"/>
+              </a:buBlip>
+            </a:pPr>
           </a:p>
         </p:txBody>
       </p:sp>
-      <p:sp>
-        <p:nvSpPr>
-          <p:cNvPr id="56" name="Shape 56"/>
-          <p:cNvSpPr/>
-          <p:nvPr>
-            <p:ph type="body" idx="1"/>
-          </p:nvPr>
-        </p:nvSpPr>
+      <p:pic>
+        <p:nvPicPr>
+          <p:cNvPr id="56" name="splash.jpg"/>
+          <p:cNvPicPr/>
+          <p:nvPr/>
+        </p:nvPicPr>
+        <p:blipFill>
+          <a:blip r:embed="rId3">
+            <a:extLst/>
+          </a:blip>
+          <a:stretch>
+            <a:fillRect/>
+          </a:stretch>
+        </p:blipFill>
         <p:spPr>
           <a:xfrm>
-            <a:off x="611187" y="4868862"/>
-            <a:ext cx="7848601" cy="431801"/>
+            <a:off x="0" y="1447050"/>
+            <a:ext cx="9144000" cy="5143501"/>
           </a:xfrm>
           <a:prstGeom prst="rect">
             <a:avLst/>
           </a:prstGeom>
+          <a:ln w="12700">
+            <a:miter lim="400000"/>
+          </a:ln>
         </p:spPr>
-        <p:txBody>
-          <a:bodyPr lIns="0" tIns="0" rIns="0" bIns="0">
-            <a:normAutofit fontScale="100000" lnSpcReduction="0"/>
-          </a:bodyPr>
-          <a:lstStyle>
-            <a:lvl1pPr>
-              <a:spcBef>
-                <a:spcPts val="400"/>
-              </a:spcBef>
-              <a:defRPr sz="2000">
-                <a:latin typeface="Arial Bold"/>
-                <a:ea typeface="Arial Bold"/>
-                <a:cs typeface="Arial Bold"/>
-                <a:sym typeface="Arial Bold"/>
-              </a:defRPr>
-            </a:lvl1pPr>
-          </a:lstStyle>
-          <a:p>
-            <a:pPr lvl="0">
-              <a:defRPr sz="1800"/>
-            </a:pPr>
-            <a:r>
-              <a:rPr sz="2000"/>
-              <a:t>Felipe Iasi e Shyrles Monteiro</a:t>
-            </a:r>
-          </a:p>
-        </p:txBody>
-      </p:sp>
+      </p:pic>
     </p:spTree>
   </p:cSld>
   <p:clrMapOvr>
@@ -2321,61 +2496,26 @@
       </p:grpSpPr>
       <p:sp>
         <p:nvSpPr>
-          <p:cNvPr id="86" name="Shape 86"/>
+          <p:cNvPr id="90" name="Shape 90"/>
           <p:cNvSpPr/>
           <p:nvPr>
             <p:ph type="title"/>
           </p:nvPr>
         </p:nvSpPr>
         <p:spPr>
+          <a:xfrm>
+            <a:off x="492125" y="2857702"/>
+            <a:ext cx="6084129" cy="1104408"/>
+          </a:xfrm>
           <a:prstGeom prst="rect">
             <a:avLst/>
           </a:prstGeom>
-          <a:extLst>
-            <a:ext uri="{C572A759-6A51-4108-AA02-DFA0A04FC94B}">
-              <ma14:wrappingTextBoxFlag xmlns:ma14="http://schemas.microsoft.com/office/mac/drawingml/2011/main" val="1"/>
-            </a:ext>
-          </a:extLst>
-        </p:spPr>
-        <p:txBody>
-          <a:bodyPr/>
-          <a:lstStyle/>
-          <a:p>
-            <a:pPr lvl="0">
-              <a:defRPr sz="1800"/>
-            </a:pPr>
-            <a:r>
-              <a:rPr sz="3600"/>
-              <a:t>Aplicacao</a:t>
-            </a:r>
-          </a:p>
-        </p:txBody>
-      </p:sp>
-      <p:sp>
-        <p:nvSpPr>
-          <p:cNvPr id="87" name="Shape 87"/>
-          <p:cNvSpPr/>
-          <p:nvPr>
-            <p:ph type="body" idx="1"/>
-          </p:nvPr>
-        </p:nvSpPr>
-        <p:spPr>
-          <a:prstGeom prst="rect">
-            <a:avLst/>
-          </a:prstGeom>
-          <a:extLst>
-            <a:ext uri="{C572A759-6A51-4108-AA02-DFA0A04FC94B}">
-              <ma14:wrappingTextBoxFlag xmlns:ma14="http://schemas.microsoft.com/office/mac/drawingml/2011/main" val="1"/>
-            </a:ext>
-          </a:extLst>
         </p:spPr>
         <p:txBody>
           <a:bodyPr/>
           <a:lstStyle>
             <a:lvl1pPr>
-              <a:buBlip>
-                <a:blip r:embed="rId2"/>
-              </a:buBlip>
+              <a:defRPr sz="4500"/>
             </a:lvl1pPr>
           </a:lstStyle>
           <a:p>
@@ -2383,8 +2523,8 @@
               <a:defRPr sz="1800"/>
             </a:pPr>
             <a:r>
-              <a:rPr sz="2800"/>
-              <a:t>cCon.lua</a:t>
+              <a:rPr sz="4500"/>
+              <a:t>Moderar?</a:t>
             </a:r>
           </a:p>
         </p:txBody>
@@ -2417,61 +2557,26 @@
       </p:grpSpPr>
       <p:sp>
         <p:nvSpPr>
-          <p:cNvPr id="89" name="Shape 89"/>
+          <p:cNvPr id="92" name="Shape 92"/>
           <p:cNvSpPr/>
           <p:nvPr>
             <p:ph type="title"/>
           </p:nvPr>
         </p:nvSpPr>
         <p:spPr>
+          <a:xfrm>
+            <a:off x="492125" y="2857702"/>
+            <a:ext cx="6084129" cy="1104408"/>
+          </a:xfrm>
           <a:prstGeom prst="rect">
             <a:avLst/>
           </a:prstGeom>
-          <a:extLst>
-            <a:ext uri="{C572A759-6A51-4108-AA02-DFA0A04FC94B}">
-              <ma14:wrappingTextBoxFlag xmlns:ma14="http://schemas.microsoft.com/office/mac/drawingml/2011/main" val="1"/>
-            </a:ext>
-          </a:extLst>
-        </p:spPr>
-        <p:txBody>
-          <a:bodyPr/>
-          <a:lstStyle/>
-          <a:p>
-            <a:pPr lvl="0">
-              <a:defRPr sz="1800"/>
-            </a:pPr>
-            <a:r>
-              <a:rPr sz="3600"/>
-              <a:t>Aplicacao</a:t>
-            </a:r>
-          </a:p>
-        </p:txBody>
-      </p:sp>
-      <p:sp>
-        <p:nvSpPr>
-          <p:cNvPr id="90" name="Shape 90"/>
-          <p:cNvSpPr/>
-          <p:nvPr>
-            <p:ph type="body" idx="1"/>
-          </p:nvPr>
-        </p:nvSpPr>
-        <p:spPr>
-          <a:prstGeom prst="rect">
-            <a:avLst/>
-          </a:prstGeom>
-          <a:extLst>
-            <a:ext uri="{C572A759-6A51-4108-AA02-DFA0A04FC94B}">
-              <ma14:wrappingTextBoxFlag xmlns:ma14="http://schemas.microsoft.com/office/mac/drawingml/2011/main" val="1"/>
-            </a:ext>
-          </a:extLst>
         </p:spPr>
         <p:txBody>
           <a:bodyPr/>
           <a:lstStyle>
             <a:lvl1pPr>
-              <a:buBlip>
-                <a:blip r:embed="rId2"/>
-              </a:buBlip>
+              <a:defRPr sz="4500"/>
             </a:lvl1pPr>
           </a:lstStyle>
           <a:p>
@@ -2479,8 +2584,8 @@
               <a:defRPr sz="1800"/>
             </a:pPr>
             <a:r>
-              <a:rPr sz="2800"/>
-              <a:t>JSON Parser</a:t>
+              <a:rPr sz="4500"/>
+              <a:t>JSON final?</a:t>
             </a:r>
           </a:p>
         </p:txBody>
@@ -2513,7 +2618,7 @@
       </p:grpSpPr>
       <p:sp>
         <p:nvSpPr>
-          <p:cNvPr id="92" name="Shape 92"/>
+          <p:cNvPr id="94" name="Shape 94"/>
           <p:cNvSpPr/>
           <p:nvPr>
             <p:ph type="title"/>
@@ -2523,11 +2628,6 @@
           <a:prstGeom prst="rect">
             <a:avLst/>
           </a:prstGeom>
-          <a:extLst>
-            <a:ext uri="{C572A759-6A51-4108-AA02-DFA0A04FC94B}">
-              <ma14:wrappingTextBoxFlag xmlns:ma14="http://schemas.microsoft.com/office/mac/drawingml/2011/main" val="1"/>
-            </a:ext>
-          </a:extLst>
         </p:spPr>
         <p:txBody>
           <a:bodyPr/>
@@ -2545,7 +2645,7 @@
       </p:sp>
       <p:sp>
         <p:nvSpPr>
-          <p:cNvPr id="93" name="Shape 93"/>
+          <p:cNvPr id="95" name="Shape 95"/>
           <p:cNvSpPr/>
           <p:nvPr>
             <p:ph type="body" idx="1"/>
@@ -2555,11 +2655,6 @@
           <a:prstGeom prst="rect">
             <a:avLst/>
           </a:prstGeom>
-          <a:extLst>
-            <a:ext uri="{C572A759-6A51-4108-AA02-DFA0A04FC94B}">
-              <ma14:wrappingTextBoxFlag xmlns:ma14="http://schemas.microsoft.com/office/mac/drawingml/2011/main" val="1"/>
-            </a:ext>
-          </a:extLst>
         </p:spPr>
         <p:txBody>
           <a:bodyPr/>
@@ -2576,11 +2671,39 @@
             </a:pPr>
             <a:r>
               <a:rPr sz="2800"/>
-              <a:t>Aplicativo</a:t>
+              <a:t>main.ncl</a:t>
             </a:r>
           </a:p>
         </p:txBody>
       </p:sp>
+      <p:pic>
+        <p:nvPicPr>
+          <p:cNvPr id="96" name="image12.png"/>
+          <p:cNvPicPr/>
+          <p:nvPr/>
+        </p:nvPicPr>
+        <p:blipFill>
+          <a:blip r:embed="rId3">
+            <a:extLst/>
+          </a:blip>
+          <a:srcRect l="4286" t="0" r="0" b="0"/>
+          <a:stretch>
+            <a:fillRect/>
+          </a:stretch>
+        </p:blipFill>
+        <p:spPr>
+          <a:xfrm>
+            <a:off x="212373" y="2463362"/>
+            <a:ext cx="8752115" cy="3629934"/>
+          </a:xfrm>
+          <a:prstGeom prst="rect">
+            <a:avLst/>
+          </a:prstGeom>
+          <a:ln w="12700">
+            <a:miter lim="400000"/>
+          </a:ln>
+        </p:spPr>
+      </p:pic>
     </p:spTree>
   </p:cSld>
   <p:clrMapOvr>
@@ -2609,7 +2732,7 @@
       </p:grpSpPr>
       <p:sp>
         <p:nvSpPr>
-          <p:cNvPr id="95" name="Shape 95"/>
+          <p:cNvPr id="98" name="Shape 98"/>
           <p:cNvSpPr/>
           <p:nvPr>
             <p:ph type="title"/>
@@ -2619,11 +2742,6 @@
           <a:prstGeom prst="rect">
             <a:avLst/>
           </a:prstGeom>
-          <a:extLst>
-            <a:ext uri="{C572A759-6A51-4108-AA02-DFA0A04FC94B}">
-              <ma14:wrappingTextBoxFlag xmlns:ma14="http://schemas.microsoft.com/office/mac/drawingml/2011/main" val="1"/>
-            </a:ext>
-          </a:extLst>
         </p:spPr>
         <p:txBody>
           <a:bodyPr/>
@@ -2634,14 +2752,633 @@
             </a:pPr>
             <a:r>
               <a:rPr sz="3600"/>
-              <a:t>O que ler?</a:t>
+              <a:t>Aplicacao</a:t>
+            </a:r>
+          </a:p>
+        </p:txBody>
+      </p:sp>
+      <p:sp>
+        <p:nvSpPr>
+          <p:cNvPr id="99" name="Shape 99"/>
+          <p:cNvSpPr/>
+          <p:nvPr>
+            <p:ph type="body" idx="1"/>
+          </p:nvPr>
+        </p:nvSpPr>
+        <p:spPr>
+          <a:prstGeom prst="rect">
+            <a:avLst/>
+          </a:prstGeom>
+        </p:spPr>
+        <p:txBody>
+          <a:bodyPr/>
+          <a:lstStyle>
+            <a:lvl1pPr>
+              <a:buBlip>
+                <a:blip r:embed="rId2"/>
+              </a:buBlip>
+            </a:lvl1pPr>
+          </a:lstStyle>
+          <a:p>
+            <a:pPr lvl="0">
+              <a:defRPr sz="1800"/>
+            </a:pPr>
+            <a:r>
+              <a:rPr sz="2800"/>
+              <a:t>main.lua</a:t>
             </a:r>
           </a:p>
         </p:txBody>
       </p:sp>
       <p:pic>
         <p:nvPicPr>
-          <p:cNvPr id="96" name="pasted-image.png"/>
+          <p:cNvPr id="100" name="image13.png"/>
+          <p:cNvPicPr/>
+          <p:nvPr/>
+        </p:nvPicPr>
+        <p:blipFill>
+          <a:blip r:embed="rId3">
+            <a:extLst/>
+          </a:blip>
+          <a:srcRect l="8819" t="929" r="7263" b="47898"/>
+          <a:stretch>
+            <a:fillRect/>
+          </a:stretch>
+        </p:blipFill>
+        <p:spPr>
+          <a:xfrm>
+            <a:off x="865807" y="2336248"/>
+            <a:ext cx="6923469" cy="3509383"/>
+          </a:xfrm>
+          <a:prstGeom prst="rect">
+            <a:avLst/>
+          </a:prstGeom>
+          <a:ln w="12700">
+            <a:miter lim="400000"/>
+          </a:ln>
+        </p:spPr>
+      </p:pic>
+    </p:spTree>
+  </p:cSld>
+  <p:clrMapOvr>
+    <a:masterClrMapping/>
+  </p:clrMapOvr>
+  <p:transition spd="med" advClick="1"/>
+</p:sld>
+</file>
+
+<file path=ppt/slides/slide14.xml><?xml version="1.0" encoding="utf-8"?>
+<p:sld xmlns:a="http://schemas.openxmlformats.org/drawingml/2006/main" xmlns:r="http://schemas.openxmlformats.org/officeDocument/2006/relationships" xmlns:p="http://schemas.openxmlformats.org/presentationml/2006/main" showMasterSp="1" showMasterPhAnim="1">
+  <p:cSld>
+    <p:spTree>
+      <p:nvGrpSpPr>
+        <p:cNvPr id="1" name=""/>
+        <p:cNvGrpSpPr/>
+        <p:nvPr/>
+      </p:nvGrpSpPr>
+      <p:grpSpPr>
+        <a:xfrm>
+          <a:off x="0" y="0"/>
+          <a:ext cx="0" cy="0"/>
+          <a:chOff x="0" y="0"/>
+          <a:chExt cx="0" cy="0"/>
+        </a:xfrm>
+      </p:grpSpPr>
+      <p:sp>
+        <p:nvSpPr>
+          <p:cNvPr id="102" name="Shape 102"/>
+          <p:cNvSpPr/>
+          <p:nvPr>
+            <p:ph type="title"/>
+          </p:nvPr>
+        </p:nvSpPr>
+        <p:spPr>
+          <a:prstGeom prst="rect">
+            <a:avLst/>
+          </a:prstGeom>
+        </p:spPr>
+        <p:txBody>
+          <a:bodyPr/>
+          <a:lstStyle/>
+          <a:p>
+            <a:pPr lvl="0"/>
+          </a:p>
+        </p:txBody>
+      </p:sp>
+      <p:sp>
+        <p:nvSpPr>
+          <p:cNvPr id="103" name="Shape 103"/>
+          <p:cNvSpPr/>
+          <p:nvPr>
+            <p:ph type="body" idx="1"/>
+          </p:nvPr>
+        </p:nvSpPr>
+        <p:spPr>
+          <a:prstGeom prst="rect">
+            <a:avLst/>
+          </a:prstGeom>
+        </p:spPr>
+        <p:txBody>
+          <a:bodyPr/>
+          <a:lstStyle/>
+          <a:p>
+            <a:pPr lvl="0">
+              <a:buBlip>
+                <a:blip r:embed="rId2"/>
+              </a:buBlip>
+            </a:pPr>
+          </a:p>
+        </p:txBody>
+      </p:sp>
+      <p:pic>
+        <p:nvPicPr>
+          <p:cNvPr id="104" name="image14.png"/>
+          <p:cNvPicPr/>
+          <p:nvPr/>
+        </p:nvPicPr>
+        <p:blipFill>
+          <a:blip r:embed="rId3">
+            <a:extLst/>
+          </a:blip>
+          <a:srcRect l="5858" t="0" r="0" b="0"/>
+          <a:stretch>
+            <a:fillRect/>
+          </a:stretch>
+        </p:blipFill>
+        <p:spPr>
+          <a:xfrm>
+            <a:off x="334857" y="336558"/>
+            <a:ext cx="8448797" cy="6404810"/>
+          </a:xfrm>
+          <a:prstGeom prst="rect">
+            <a:avLst/>
+          </a:prstGeom>
+          <a:ln w="12700">
+            <a:miter lim="400000"/>
+          </a:ln>
+        </p:spPr>
+      </p:pic>
+    </p:spTree>
+  </p:cSld>
+  <p:clrMapOvr>
+    <a:masterClrMapping/>
+  </p:clrMapOvr>
+  <p:transition spd="med" advClick="1"/>
+</p:sld>
+</file>
+
+<file path=ppt/slides/slide15.xml><?xml version="1.0" encoding="utf-8"?>
+<p:sld xmlns:a="http://schemas.openxmlformats.org/drawingml/2006/main" xmlns:r="http://schemas.openxmlformats.org/officeDocument/2006/relationships" xmlns:p="http://schemas.openxmlformats.org/presentationml/2006/main" showMasterSp="1" showMasterPhAnim="1">
+  <p:cSld>
+    <p:spTree>
+      <p:nvGrpSpPr>
+        <p:cNvPr id="1" name=""/>
+        <p:cNvGrpSpPr/>
+        <p:nvPr/>
+      </p:nvGrpSpPr>
+      <p:grpSpPr>
+        <a:xfrm>
+          <a:off x="0" y="0"/>
+          <a:ext cx="0" cy="0"/>
+          <a:chOff x="0" y="0"/>
+          <a:chExt cx="0" cy="0"/>
+        </a:xfrm>
+      </p:grpSpPr>
+      <p:sp>
+        <p:nvSpPr>
+          <p:cNvPr id="106" name="Shape 106"/>
+          <p:cNvSpPr/>
+          <p:nvPr>
+            <p:ph type="title"/>
+          </p:nvPr>
+        </p:nvSpPr>
+        <p:spPr>
+          <a:prstGeom prst="rect">
+            <a:avLst/>
+          </a:prstGeom>
+        </p:spPr>
+        <p:txBody>
+          <a:bodyPr/>
+          <a:lstStyle/>
+          <a:p>
+            <a:pPr lvl="0">
+              <a:defRPr sz="1800"/>
+            </a:pPr>
+            <a:r>
+              <a:rPr sz="3600"/>
+              <a:t>Aplicacao</a:t>
+            </a:r>
+          </a:p>
+        </p:txBody>
+      </p:sp>
+      <p:sp>
+        <p:nvSpPr>
+          <p:cNvPr id="107" name="Shape 107"/>
+          <p:cNvSpPr/>
+          <p:nvPr>
+            <p:ph type="body" idx="1"/>
+          </p:nvPr>
+        </p:nvSpPr>
+        <p:spPr>
+          <a:prstGeom prst="rect">
+            <a:avLst/>
+          </a:prstGeom>
+        </p:spPr>
+        <p:txBody>
+          <a:bodyPr/>
+          <a:lstStyle>
+            <a:lvl1pPr>
+              <a:buBlip>
+                <a:blip r:embed="rId2"/>
+              </a:buBlip>
+            </a:lvl1pPr>
+          </a:lstStyle>
+          <a:p>
+            <a:pPr lvl="0">
+              <a:defRPr sz="1800"/>
+            </a:pPr>
+            <a:r>
+              <a:rPr sz="2800"/>
+              <a:t>cCon.lua</a:t>
+            </a:r>
+          </a:p>
+        </p:txBody>
+      </p:sp>
+      <p:pic>
+        <p:nvPicPr>
+          <p:cNvPr id="108" name="image15.png"/>
+          <p:cNvPicPr/>
+          <p:nvPr/>
+        </p:nvPicPr>
+        <p:blipFill>
+          <a:blip r:embed="rId3">
+            <a:extLst/>
+          </a:blip>
+          <a:srcRect l="11610" t="3585" r="2711" b="56135"/>
+          <a:stretch>
+            <a:fillRect/>
+          </a:stretch>
+        </p:blipFill>
+        <p:spPr>
+          <a:xfrm>
+            <a:off x="626039" y="2204864"/>
+            <a:ext cx="7834394" cy="2416769"/>
+          </a:xfrm>
+          <a:prstGeom prst="rect">
+            <a:avLst/>
+          </a:prstGeom>
+          <a:ln w="3175" cap="sq">
+            <a:solidFill/>
+            <a:miter/>
+          </a:ln>
+          <a:effectLst>
+            <a:outerShdw sx="100000" sy="100000" kx="0" ky="0" algn="b" rotWithShape="0" blurRad="50800" dist="38100" dir="2700000">
+              <a:srgbClr val="000000">
+                <a:alpha val="43000"/>
+              </a:srgbClr>
+            </a:outerShdw>
+          </a:effectLst>
+        </p:spPr>
+      </p:pic>
+      <p:pic>
+        <p:nvPicPr>
+          <p:cNvPr id="109" name="image16.png"/>
+          <p:cNvPicPr/>
+          <p:nvPr/>
+        </p:nvPicPr>
+        <p:blipFill>
+          <a:blip r:embed="rId4">
+            <a:extLst/>
+          </a:blip>
+          <a:srcRect l="4648" t="41895" r="2806" b="37332"/>
+          <a:stretch>
+            <a:fillRect/>
+          </a:stretch>
+        </p:blipFill>
+        <p:spPr>
+          <a:xfrm>
+            <a:off x="179511" y="4871003"/>
+            <a:ext cx="8712970" cy="1222294"/>
+          </a:xfrm>
+          <a:prstGeom prst="rect">
+            <a:avLst/>
+          </a:prstGeom>
+          <a:ln>
+            <a:solidFill/>
+            <a:miter/>
+          </a:ln>
+          <a:effectLst>
+            <a:outerShdw sx="100000" sy="100000" kx="0" ky="0" algn="b" rotWithShape="0" blurRad="50800" dist="38100" dir="2700000">
+              <a:srgbClr val="000000">
+                <a:alpha val="43000"/>
+              </a:srgbClr>
+            </a:outerShdw>
+          </a:effectLst>
+        </p:spPr>
+      </p:pic>
+    </p:spTree>
+  </p:cSld>
+  <p:clrMapOvr>
+    <a:masterClrMapping/>
+  </p:clrMapOvr>
+  <p:transition spd="med" advClick="1"/>
+</p:sld>
+</file>
+
+<file path=ppt/slides/slide16.xml><?xml version="1.0" encoding="utf-8"?>
+<p:sld xmlns:a="http://schemas.openxmlformats.org/drawingml/2006/main" xmlns:r="http://schemas.openxmlformats.org/officeDocument/2006/relationships" xmlns:p="http://schemas.openxmlformats.org/presentationml/2006/main" showMasterSp="1" showMasterPhAnim="1">
+  <p:cSld>
+    <p:spTree>
+      <p:nvGrpSpPr>
+        <p:cNvPr id="1" name=""/>
+        <p:cNvGrpSpPr/>
+        <p:nvPr/>
+      </p:nvGrpSpPr>
+      <p:grpSpPr>
+        <a:xfrm>
+          <a:off x="0" y="0"/>
+          <a:ext cx="0" cy="0"/>
+          <a:chOff x="0" y="0"/>
+          <a:chExt cx="0" cy="0"/>
+        </a:xfrm>
+      </p:grpSpPr>
+      <p:sp>
+        <p:nvSpPr>
+          <p:cNvPr id="111" name="Shape 111"/>
+          <p:cNvSpPr/>
+          <p:nvPr>
+            <p:ph type="title"/>
+          </p:nvPr>
+        </p:nvSpPr>
+        <p:spPr>
+          <a:prstGeom prst="rect">
+            <a:avLst/>
+          </a:prstGeom>
+        </p:spPr>
+        <p:txBody>
+          <a:bodyPr/>
+          <a:lstStyle/>
+          <a:p>
+            <a:pPr lvl="0">
+              <a:defRPr sz="1800"/>
+            </a:pPr>
+            <a:r>
+              <a:rPr sz="3600"/>
+              <a:t>Aplicacao</a:t>
+            </a:r>
+          </a:p>
+        </p:txBody>
+      </p:sp>
+      <p:sp>
+        <p:nvSpPr>
+          <p:cNvPr id="112" name="Shape 112"/>
+          <p:cNvSpPr/>
+          <p:nvPr>
+            <p:ph type="body" idx="1"/>
+          </p:nvPr>
+        </p:nvSpPr>
+        <p:spPr>
+          <a:prstGeom prst="rect">
+            <a:avLst/>
+          </a:prstGeom>
+        </p:spPr>
+        <p:txBody>
+          <a:bodyPr/>
+          <a:lstStyle/>
+          <a:p>
+            <a:pPr lvl="0">
+              <a:buBlip>
+                <a:blip r:embed="rId2"/>
+              </a:buBlip>
+              <a:defRPr sz="1800"/>
+            </a:pPr>
+            <a:r>
+              <a:rPr sz="2800"/>
+              <a:t>JSON Parser</a:t>
+            </a:r>
+            <a:endParaRPr sz="2800"/>
+          </a:p>
+          <a:p>
+            <a:pPr lvl="0">
+              <a:buBlip>
+                <a:blip r:embed="rId2"/>
+              </a:buBlip>
+              <a:defRPr sz="1800"/>
+            </a:pPr>
+            <a:r>
+              <a:t>JSON4Lua: JSON encoding / decoding support for the Lua language.</a:t>
+            </a:r>
+          </a:p>
+          <a:p>
+            <a:pPr lvl="0">
+              <a:buBlip>
+                <a:blip r:embed="rId2"/>
+              </a:buBlip>
+              <a:defRPr sz="1800"/>
+            </a:pPr>
+            <a:r>
+              <a:t> json Module.</a:t>
+            </a:r>
+          </a:p>
+          <a:p>
+            <a:pPr lvl="0">
+              <a:buBlip>
+                <a:blip r:embed="rId2"/>
+              </a:buBlip>
+              <a:defRPr sz="1800"/>
+            </a:pPr>
+            <a:r>
+              <a:t> Author: Craig Mason-Jones</a:t>
+            </a:r>
+          </a:p>
+          <a:p>
+            <a:pPr lvl="0">
+              <a:buBlip>
+                <a:blip r:embed="rId2"/>
+              </a:buBlip>
+              <a:defRPr sz="1800"/>
+            </a:pPr>
+            <a:r>
+              <a:t> Homepage: http://json.luaforge.net/</a:t>
+            </a:r>
+          </a:p>
+          <a:p>
+            <a:pPr lvl="0">
+              <a:buBlip>
+                <a:blip r:embed="rId2"/>
+              </a:buBlip>
+              <a:defRPr sz="1800"/>
+            </a:pPr>
+            <a:r>
+              <a:t> Version: 0.9.50</a:t>
+            </a:r>
+          </a:p>
+          <a:p>
+            <a:pPr lvl="0">
+              <a:buBlip>
+                <a:blip r:embed="rId2"/>
+              </a:buBlip>
+              <a:defRPr sz="1800"/>
+            </a:pPr>
+            <a:r>
+              <a:t> This module is released under the MIT License (MIT).</a:t>
+            </a:r>
+          </a:p>
+          <a:p>
+            <a:pPr lvl="0">
+              <a:buBlip>
+                <a:blip r:embed="rId2"/>
+              </a:buBlip>
+              <a:defRPr sz="1800"/>
+            </a:pPr>
+            <a:r>
+              <a:t> Please see LICENCE.txt for details.</a:t>
+            </a:r>
+          </a:p>
+        </p:txBody>
+      </p:sp>
+    </p:spTree>
+  </p:cSld>
+  <p:clrMapOvr>
+    <a:masterClrMapping/>
+  </p:clrMapOvr>
+  <p:transition spd="med" advClick="1"/>
+</p:sld>
+</file>
+
+<file path=ppt/slides/slide17.xml><?xml version="1.0" encoding="utf-8"?>
+<p:sld xmlns:a="http://schemas.openxmlformats.org/drawingml/2006/main" xmlns:r="http://schemas.openxmlformats.org/officeDocument/2006/relationships" xmlns:p="http://schemas.openxmlformats.org/presentationml/2006/main" showMasterSp="1" showMasterPhAnim="1">
+  <p:cSld>
+    <p:spTree>
+      <p:nvGrpSpPr>
+        <p:cNvPr id="1" name=""/>
+        <p:cNvGrpSpPr/>
+        <p:nvPr/>
+      </p:nvGrpSpPr>
+      <p:grpSpPr>
+        <a:xfrm>
+          <a:off x="0" y="0"/>
+          <a:ext cx="0" cy="0"/>
+          <a:chOff x="0" y="0"/>
+          <a:chExt cx="0" cy="0"/>
+        </a:xfrm>
+      </p:grpSpPr>
+      <p:sp>
+        <p:nvSpPr>
+          <p:cNvPr id="114" name="Shape 114"/>
+          <p:cNvSpPr/>
+          <p:nvPr>
+            <p:ph type="title"/>
+          </p:nvPr>
+        </p:nvSpPr>
+        <p:spPr>
+          <a:prstGeom prst="rect">
+            <a:avLst/>
+          </a:prstGeom>
+        </p:spPr>
+        <p:txBody>
+          <a:bodyPr/>
+          <a:lstStyle/>
+          <a:p>
+            <a:pPr lvl="0">
+              <a:defRPr sz="1800"/>
+            </a:pPr>
+            <a:r>
+              <a:rPr sz="3600"/>
+              <a:t>Aplicacao</a:t>
+            </a:r>
+          </a:p>
+        </p:txBody>
+      </p:sp>
+      <p:sp>
+        <p:nvSpPr>
+          <p:cNvPr id="115" name="Shape 115"/>
+          <p:cNvSpPr/>
+          <p:nvPr>
+            <p:ph type="body" idx="1"/>
+          </p:nvPr>
+        </p:nvSpPr>
+        <p:spPr>
+          <a:prstGeom prst="rect">
+            <a:avLst/>
+          </a:prstGeom>
+        </p:spPr>
+        <p:txBody>
+          <a:bodyPr/>
+          <a:lstStyle>
+            <a:lvl1pPr>
+              <a:buBlip>
+                <a:blip r:embed="rId2"/>
+              </a:buBlip>
+            </a:lvl1pPr>
+          </a:lstStyle>
+          <a:p>
+            <a:pPr lvl="0">
+              <a:defRPr sz="1800"/>
+            </a:pPr>
+            <a:r>
+              <a:rPr sz="2800"/>
+              <a:t>Aplicativo</a:t>
+            </a:r>
+          </a:p>
+        </p:txBody>
+      </p:sp>
+    </p:spTree>
+  </p:cSld>
+  <p:clrMapOvr>
+    <a:masterClrMapping/>
+  </p:clrMapOvr>
+  <p:transition spd="med" advClick="1"/>
+</p:sld>
+</file>
+
+<file path=ppt/slides/slide18.xml><?xml version="1.0" encoding="utf-8"?>
+<p:sld xmlns:a="http://schemas.openxmlformats.org/drawingml/2006/main" xmlns:r="http://schemas.openxmlformats.org/officeDocument/2006/relationships" xmlns:p="http://schemas.openxmlformats.org/presentationml/2006/main" showMasterSp="1" showMasterPhAnim="1">
+  <p:cSld>
+    <p:spTree>
+      <p:nvGrpSpPr>
+        <p:cNvPr id="1" name=""/>
+        <p:cNvGrpSpPr/>
+        <p:nvPr/>
+      </p:nvGrpSpPr>
+      <p:grpSpPr>
+        <a:xfrm>
+          <a:off x="0" y="0"/>
+          <a:ext cx="0" cy="0"/>
+          <a:chOff x="0" y="0"/>
+          <a:chExt cx="0" cy="0"/>
+        </a:xfrm>
+      </p:grpSpPr>
+      <p:sp>
+        <p:nvSpPr>
+          <p:cNvPr id="117" name="Shape 117"/>
+          <p:cNvSpPr/>
+          <p:nvPr>
+            <p:ph type="title"/>
+          </p:nvPr>
+        </p:nvSpPr>
+        <p:spPr>
+          <a:prstGeom prst="rect">
+            <a:avLst/>
+          </a:prstGeom>
+        </p:spPr>
+        <p:txBody>
+          <a:bodyPr/>
+          <a:lstStyle/>
+          <a:p>
+            <a:pPr lvl="0">
+              <a:defRPr sz="1800"/>
+            </a:pPr>
+            <a:r>
+              <a:rPr sz="3600"/>
+              <a:t>O que ler?</a:t>
+            </a:r>
+          </a:p>
+        </p:txBody>
+      </p:sp>
+      <p:pic>
+        <p:nvPicPr>
+          <p:cNvPr id="118" name="pasted-image.png"/>
           <p:cNvPicPr/>
           <p:nvPr/>
         </p:nvPicPr>
@@ -2668,7 +3405,7 @@
       </p:pic>
       <p:sp>
         <p:nvSpPr>
-          <p:cNvPr id="97" name="Shape 97"/>
+          <p:cNvPr id="119" name="Shape 119"/>
           <p:cNvSpPr/>
           <p:nvPr/>
         </p:nvSpPr>
@@ -2718,7 +3455,7 @@
       </p:sp>
       <p:sp>
         <p:nvSpPr>
-          <p:cNvPr id="98" name="Shape 98"/>
+          <p:cNvPr id="120" name="Shape 120"/>
           <p:cNvSpPr/>
           <p:nvPr/>
         </p:nvSpPr>
@@ -2768,7 +3505,7 @@
       </p:sp>
       <p:pic>
         <p:nvPicPr>
-          <p:cNvPr id="99" name="pasted-image.png"/>
+          <p:cNvPr id="121" name="pasted-image.png"/>
           <p:cNvPicPr/>
           <p:nvPr/>
         </p:nvPicPr>
@@ -2793,6 +3530,122 @@
           </a:ln>
         </p:spPr>
       </p:pic>
+    </p:spTree>
+  </p:cSld>
+  <p:clrMapOvr>
+    <a:masterClrMapping/>
+  </p:clrMapOvr>
+  <p:transition spd="med" advClick="1"/>
+</p:sld>
+</file>
+
+<file path=ppt/slides/slide19.xml><?xml version="1.0" encoding="utf-8"?>
+<p:sld xmlns:a="http://schemas.openxmlformats.org/drawingml/2006/main" xmlns:r="http://schemas.openxmlformats.org/officeDocument/2006/relationships" xmlns:p="http://schemas.openxmlformats.org/presentationml/2006/main" showMasterSp="1" showMasterPhAnim="1">
+  <p:cSld>
+    <p:spTree>
+      <p:nvGrpSpPr>
+        <p:cNvPr id="1" name=""/>
+        <p:cNvGrpSpPr/>
+        <p:nvPr/>
+      </p:nvGrpSpPr>
+      <p:grpSpPr>
+        <a:xfrm>
+          <a:off x="0" y="0"/>
+          <a:ext cx="0" cy="0"/>
+          <a:chOff x="0" y="0"/>
+          <a:chExt cx="0" cy="0"/>
+        </a:xfrm>
+      </p:grpSpPr>
+      <p:sp>
+        <p:nvSpPr>
+          <p:cNvPr id="123" name="Shape 123"/>
+          <p:cNvSpPr/>
+          <p:nvPr>
+            <p:ph type="title"/>
+          </p:nvPr>
+        </p:nvSpPr>
+        <p:spPr>
+          <a:prstGeom prst="rect">
+            <a:avLst/>
+          </a:prstGeom>
+        </p:spPr>
+        <p:txBody>
+          <a:bodyPr/>
+          <a:lstStyle/>
+          <a:p>
+            <a:pPr lvl="0">
+              <a:defRPr sz="1800"/>
+            </a:pPr>
+            <a:r>
+              <a:rPr sz="3600"/>
+              <a:t>Duvidas???</a:t>
+            </a:r>
+          </a:p>
+        </p:txBody>
+      </p:sp>
+      <p:sp>
+        <p:nvSpPr>
+          <p:cNvPr id="124" name="Shape 124"/>
+          <p:cNvSpPr/>
+          <p:nvPr>
+            <p:ph type="body" idx="1"/>
+          </p:nvPr>
+        </p:nvSpPr>
+        <p:spPr>
+          <a:prstGeom prst="rect">
+            <a:avLst/>
+          </a:prstGeom>
+        </p:spPr>
+        <p:txBody>
+          <a:bodyPr/>
+          <a:lstStyle/>
+          <a:p>
+            <a:pPr lvl="0">
+              <a:buBlip>
+                <a:blip r:embed="rId2"/>
+              </a:buBlip>
+              <a:defRPr sz="1800"/>
+            </a:pPr>
+            <a:r>
+              <a:rPr sz="2800" u="sng">
+                <a:solidFill>
+                  <a:srgbClr val="0000FF"/>
+                </a:solidFill>
+                <a:uFill>
+                  <a:solidFill>
+                    <a:srgbClr val="0000FF"/>
+                  </a:solidFill>
+                </a:uFill>
+                <a:hlinkClick r:id="rId3" invalidUrl="" action="" tgtFrame="" tooltip="" history="1" highlightClick="0" endSnd="0"/>
+              </a:rPr>
+              <a:t>felipeiasi@gmail.com</a:t>
+            </a:r>
+            <a:endParaRPr sz="2800"/>
+          </a:p>
+          <a:p>
+            <a:pPr lvl="0">
+              <a:buBlip>
+                <a:blip r:embed="rId2"/>
+              </a:buBlip>
+              <a:defRPr sz="1800"/>
+            </a:pPr>
+            <a:r>
+              <a:rPr sz="2800" u="sng">
+                <a:solidFill>
+                  <a:srgbClr val="0000FF"/>
+                </a:solidFill>
+                <a:uFill>
+                  <a:solidFill>
+                    <a:srgbClr val="0000FF"/>
+                  </a:solidFill>
+                </a:uFill>
+                <a:hlinkClick r:id="rId4" invalidUrl="" action="" tgtFrame="" tooltip="" history="1" highlightClick="0" endSnd="0"/>
+              </a:rPr>
+              <a:t>shyrlesmonteiro@gmail.com</a:t>
+            </a:r>
+          </a:p>
+        </p:txBody>
+      </p:sp>
     </p:spTree>
   </p:cSld>
   <p:clrMapOvr>
@@ -2828,25 +3681,35 @@
           </p:nvPr>
         </p:nvSpPr>
         <p:spPr>
+          <a:xfrm>
+            <a:off x="611187" y="4005262"/>
+            <a:ext cx="7847013" cy="792163"/>
+          </a:xfrm>
           <a:prstGeom prst="rect">
             <a:avLst/>
           </a:prstGeom>
-          <a:extLst>
-            <a:ext uri="{C572A759-6A51-4108-AA02-DFA0A04FC94B}">
-              <ma14:wrappingTextBoxFlag xmlns:ma14="http://schemas.microsoft.com/office/mac/drawingml/2011/main" val="1"/>
-            </a:ext>
-          </a:extLst>
         </p:spPr>
         <p:txBody>
-          <a:bodyPr/>
-          <a:lstStyle/>
+          <a:bodyPr lIns="0" tIns="0" rIns="0" bIns="0">
+            <a:normAutofit fontScale="100000" lnSpcReduction="0"/>
+          </a:bodyPr>
+          <a:lstStyle>
+            <a:lvl1pPr algn="ctr" defTabSz="777240">
+              <a:defRPr sz="3060">
+                <a:latin typeface="Arial Bold"/>
+                <a:ea typeface="Arial Bold"/>
+                <a:cs typeface="Arial Bold"/>
+                <a:sym typeface="Arial Bold"/>
+              </a:defRPr>
+            </a:lvl1pPr>
+          </a:lstStyle>
           <a:p>
             <a:pPr lvl="0">
               <a:defRPr sz="1800"/>
             </a:pPr>
             <a:r>
-              <a:rPr sz="3600"/>
-              <a:t>Quem somos?</a:t>
+              <a:rPr sz="3060"/>
+              <a:t>Integração: TV Digital e Twitter em 50 min</a:t>
             </a:r>
           </a:p>
         </p:txBody>
@@ -2860,19 +3723,39 @@
           </p:nvPr>
         </p:nvSpPr>
         <p:spPr>
+          <a:xfrm>
+            <a:off x="611187" y="4868862"/>
+            <a:ext cx="7848601" cy="431801"/>
+          </a:xfrm>
           <a:prstGeom prst="rect">
             <a:avLst/>
           </a:prstGeom>
         </p:spPr>
         <p:txBody>
-          <a:bodyPr/>
-          <a:lstStyle/>
+          <a:bodyPr lIns="0" tIns="0" rIns="0" bIns="0">
+            <a:normAutofit fontScale="100000" lnSpcReduction="0"/>
+          </a:bodyPr>
+          <a:lstStyle>
+            <a:lvl1pPr>
+              <a:spcBef>
+                <a:spcPts val="400"/>
+              </a:spcBef>
+              <a:defRPr sz="2000">
+                <a:latin typeface="Arial Bold"/>
+                <a:ea typeface="Arial Bold"/>
+                <a:cs typeface="Arial Bold"/>
+                <a:sym typeface="Arial Bold"/>
+              </a:defRPr>
+            </a:lvl1pPr>
+          </a:lstStyle>
           <a:p>
             <a:pPr lvl="0">
-              <a:buBlip>
-                <a:blip r:embed="rId2"/>
-              </a:buBlip>
-            </a:pPr>
+              <a:defRPr sz="1800"/>
+            </a:pPr>
+            <a:r>
+              <a:rPr sz="2000"/>
+              <a:t>Felipe Iasi e Shyrles Monteiro</a:t>
+            </a:r>
           </a:p>
         </p:txBody>
       </p:sp>
@@ -2914,11 +3797,6 @@
           <a:prstGeom prst="rect">
             <a:avLst/>
           </a:prstGeom>
-          <a:extLst>
-            <a:ext uri="{C572A759-6A51-4108-AA02-DFA0A04FC94B}">
-              <ma14:wrappingTextBoxFlag xmlns:ma14="http://schemas.microsoft.com/office/mac/drawingml/2011/main" val="1"/>
-            </a:ext>
-          </a:extLst>
         </p:spPr>
         <p:txBody>
           <a:bodyPr/>
@@ -2929,7 +3807,7 @@
             </a:pPr>
             <a:r>
               <a:rPr sz="3600"/>
-              <a:t>Proposta</a:t>
+              <a:t>Quem somos?</a:t>
             </a:r>
           </a:p>
         </p:txBody>
@@ -2959,6 +3837,60 @@
           </a:p>
         </p:txBody>
       </p:sp>
+      <p:pic>
+        <p:nvPicPr>
+          <p:cNvPr id="63" name="pasted-image.png"/>
+          <p:cNvPicPr/>
+          <p:nvPr/>
+        </p:nvPicPr>
+        <p:blipFill>
+          <a:blip r:embed="rId3">
+            <a:extLst/>
+          </a:blip>
+          <a:stretch>
+            <a:fillRect/>
+          </a:stretch>
+        </p:blipFill>
+        <p:spPr>
+          <a:xfrm>
+            <a:off x="1613284" y="2703103"/>
+            <a:ext cx="2507482" cy="2507482"/>
+          </a:xfrm>
+          <a:prstGeom prst="rect">
+            <a:avLst/>
+          </a:prstGeom>
+          <a:ln w="12700">
+            <a:miter lim="400000"/>
+          </a:ln>
+        </p:spPr>
+      </p:pic>
+      <p:pic>
+        <p:nvPicPr>
+          <p:cNvPr id="64" name="pasted-image.png"/>
+          <p:cNvPicPr/>
+          <p:nvPr/>
+        </p:nvPicPr>
+        <p:blipFill>
+          <a:blip r:embed="rId4">
+            <a:extLst/>
+          </a:blip>
+          <a:stretch>
+            <a:fillRect/>
+          </a:stretch>
+        </p:blipFill>
+        <p:spPr>
+          <a:xfrm>
+            <a:off x="4800984" y="2703103"/>
+            <a:ext cx="2507482" cy="2507482"/>
+          </a:xfrm>
+          <a:prstGeom prst="rect">
+            <a:avLst/>
+          </a:prstGeom>
+          <a:ln w="12700">
+            <a:miter lim="400000"/>
+          </a:ln>
+        </p:spPr>
+      </p:pic>
     </p:spTree>
   </p:cSld>
   <p:clrMapOvr>
@@ -2987,7 +3919,116 @@
       </p:grpSpPr>
       <p:sp>
         <p:nvSpPr>
-          <p:cNvPr id="64" name="Shape 64"/>
+          <p:cNvPr id="66" name="Shape 66"/>
+          <p:cNvSpPr/>
+          <p:nvPr>
+            <p:ph type="title"/>
+          </p:nvPr>
+        </p:nvSpPr>
+        <p:spPr>
+          <a:prstGeom prst="rect">
+            <a:avLst/>
+          </a:prstGeom>
+        </p:spPr>
+        <p:txBody>
+          <a:bodyPr/>
+          <a:lstStyle/>
+          <a:p>
+            <a:pPr lvl="0">
+              <a:defRPr sz="1800"/>
+            </a:pPr>
+            <a:r>
+              <a:rPr sz="3600"/>
+              <a:t>Proposta</a:t>
+            </a:r>
+          </a:p>
+        </p:txBody>
+      </p:sp>
+      <p:sp>
+        <p:nvSpPr>
+          <p:cNvPr id="67" name="Shape 67"/>
+          <p:cNvSpPr/>
+          <p:nvPr>
+            <p:ph type="body" idx="1"/>
+          </p:nvPr>
+        </p:nvSpPr>
+        <p:spPr>
+          <a:prstGeom prst="rect">
+            <a:avLst/>
+          </a:prstGeom>
+        </p:spPr>
+        <p:txBody>
+          <a:bodyPr/>
+          <a:lstStyle/>
+          <a:p>
+            <a:pPr lvl="0">
+              <a:buBlip>
+                <a:blip r:embed="rId2"/>
+              </a:buBlip>
+              <a:defRPr sz="1800"/>
+            </a:pPr>
+            <a:r>
+              <a:rPr sz="2800"/>
+              <a:t>Prover uma infra-estrutura para ate 500 mil twits / hora.</a:t>
+            </a:r>
+            <a:endParaRPr sz="2800"/>
+          </a:p>
+          <a:p>
+            <a:pPr lvl="0">
+              <a:buBlip>
+                <a:blip r:embed="rId2"/>
+              </a:buBlip>
+              <a:defRPr sz="1800"/>
+            </a:pPr>
+            <a:r>
+              <a:rPr sz="2800"/>
+              <a:t>Moderar essas mensagens e disponibilizar um ponto de acesso para mensagens moderadas.</a:t>
+            </a:r>
+            <a:endParaRPr sz="2800"/>
+          </a:p>
+          <a:p>
+            <a:pPr lvl="0">
+              <a:buBlip>
+                <a:blip r:embed="rId2"/>
+              </a:buBlip>
+              <a:defRPr sz="1800"/>
+            </a:pPr>
+            <a:r>
+              <a:rPr sz="2800"/>
+              <a:t>Exibir as mensagens moderadas em uma TV conectada.</a:t>
+            </a:r>
+          </a:p>
+        </p:txBody>
+      </p:sp>
+    </p:spTree>
+  </p:cSld>
+  <p:clrMapOvr>
+    <a:masterClrMapping/>
+  </p:clrMapOvr>
+  <p:transition spd="med" advClick="1"/>
+</p:sld>
+</file>
+
+<file path=ppt/slides/slide5.xml><?xml version="1.0" encoding="utf-8"?>
+<p:sld xmlns:a="http://schemas.openxmlformats.org/drawingml/2006/main" xmlns:r="http://schemas.openxmlformats.org/officeDocument/2006/relationships" xmlns:p="http://schemas.openxmlformats.org/presentationml/2006/main" showMasterSp="1" showMasterPhAnim="1">
+  <p:cSld>
+    <p:spTree>
+      <p:nvGrpSpPr>
+        <p:cNvPr id="1" name=""/>
+        <p:cNvGrpSpPr/>
+        <p:nvPr/>
+      </p:nvGrpSpPr>
+      <p:grpSpPr>
+        <a:xfrm>
+          <a:off x="0" y="0"/>
+          <a:ext cx="0" cy="0"/>
+          <a:chOff x="0" y="0"/>
+          <a:chExt cx="0" cy="0"/>
+        </a:xfrm>
+      </p:grpSpPr>
+      <p:sp>
+        <p:nvSpPr>
+          <p:cNvPr id="69" name="Shape 69"/>
           <p:cNvSpPr/>
           <p:nvPr/>
         </p:nvSpPr>
@@ -3087,7 +4128,7 @@
       </p:sp>
       <p:sp>
         <p:nvSpPr>
-          <p:cNvPr id="65" name="Shape 65"/>
+          <p:cNvPr id="70" name="Shape 70"/>
           <p:cNvSpPr/>
           <p:nvPr>
             <p:ph type="title"/>
@@ -3097,11 +4138,6 @@
           <a:prstGeom prst="rect">
             <a:avLst/>
           </a:prstGeom>
-          <a:extLst>
-            <a:ext uri="{C572A759-6A51-4108-AA02-DFA0A04FC94B}">
-              <ma14:wrappingTextBoxFlag xmlns:ma14="http://schemas.microsoft.com/office/mac/drawingml/2011/main" val="1"/>
-            </a:ext>
-          </a:extLst>
         </p:spPr>
         <p:txBody>
           <a:bodyPr/>
@@ -3119,7 +4155,7 @@
       </p:sp>
       <p:pic>
         <p:nvPicPr>
-          <p:cNvPr id="66" name="pasted-image.png"/>
+          <p:cNvPr id="71" name="pasted-image.png"/>
           <p:cNvPicPr/>
           <p:nvPr/>
         </p:nvPicPr>
@@ -3149,7 +4185,7 @@
       </p:pic>
       <p:pic>
         <p:nvPicPr>
-          <p:cNvPr id="67" name="pasted-image.png"/>
+          <p:cNvPr id="72" name="pasted-image.png"/>
           <p:cNvPicPr/>
           <p:nvPr/>
         </p:nvPicPr>
@@ -3179,7 +4215,7 @@
       </p:pic>
       <p:pic>
         <p:nvPicPr>
-          <p:cNvPr id="68" name="pasted-image.png"/>
+          <p:cNvPr id="73" name="pasted-image.png"/>
           <p:cNvPicPr/>
           <p:nvPr/>
         </p:nvPicPr>
@@ -3209,7 +4245,7 @@
       </p:pic>
       <p:pic>
         <p:nvPicPr>
-          <p:cNvPr id="69" name="pasted-image.png"/>
+          <p:cNvPr id="74" name="pasted-image.png"/>
           <p:cNvPicPr/>
           <p:nvPr/>
         </p:nvPicPr>
@@ -3239,7 +4275,7 @@
       </p:pic>
       <p:pic>
         <p:nvPicPr>
-          <p:cNvPr id="70" name="pasted-image.png"/>
+          <p:cNvPr id="75" name="pasted-image.png"/>
           <p:cNvPicPr/>
           <p:nvPr/>
         </p:nvPicPr>
@@ -3269,7 +4305,7 @@
       </p:pic>
       <p:pic>
         <p:nvPicPr>
-          <p:cNvPr id="71" name="pasted-image.png"/>
+          <p:cNvPr id="76" name="pasted-image.png"/>
           <p:cNvPicPr/>
           <p:nvPr/>
         </p:nvPicPr>
@@ -3284,7 +4320,7 @@
         <p:spPr>
           <a:xfrm>
             <a:off x="4969897" y="3965442"/>
-            <a:ext cx="1557456" cy="805801"/>
+            <a:ext cx="1557455" cy="805801"/>
           </a:xfrm>
           <a:prstGeom prst="rect">
             <a:avLst/>
@@ -3299,7 +4335,7 @@
       </p:pic>
       <p:pic>
         <p:nvPicPr>
-          <p:cNvPr id="72" name="pasted-image.png"/>
+          <p:cNvPr id="77" name="pasted-image.png"/>
           <p:cNvPicPr/>
           <p:nvPr/>
         </p:nvPicPr>
@@ -3336,72 +4372,6 @@
 </p:sld>
 </file>
 
-<file path=ppt/slides/slide5.xml><?xml version="1.0" encoding="utf-8"?>
-<p:sld xmlns:a="http://schemas.openxmlformats.org/drawingml/2006/main" xmlns:r="http://schemas.openxmlformats.org/officeDocument/2006/relationships" xmlns:p="http://schemas.openxmlformats.org/presentationml/2006/main" showMasterSp="1" showMasterPhAnim="1">
-  <p:cSld>
-    <p:spTree>
-      <p:nvGrpSpPr>
-        <p:cNvPr id="1" name=""/>
-        <p:cNvGrpSpPr/>
-        <p:nvPr/>
-      </p:nvGrpSpPr>
-      <p:grpSpPr>
-        <a:xfrm>
-          <a:off x="0" y="0"/>
-          <a:ext cx="0" cy="0"/>
-          <a:chOff x="0" y="0"/>
-          <a:chExt cx="0" cy="0"/>
-        </a:xfrm>
-      </p:grpSpPr>
-      <p:sp>
-        <p:nvSpPr>
-          <p:cNvPr id="74" name="Shape 74"/>
-          <p:cNvSpPr/>
-          <p:nvPr>
-            <p:ph type="title"/>
-          </p:nvPr>
-        </p:nvSpPr>
-        <p:spPr>
-          <a:xfrm>
-            <a:off x="492125" y="2857702"/>
-            <a:ext cx="6084129" cy="1104408"/>
-          </a:xfrm>
-          <a:prstGeom prst="rect">
-            <a:avLst/>
-          </a:prstGeom>
-          <a:extLst>
-            <a:ext uri="{C572A759-6A51-4108-AA02-DFA0A04FC94B}">
-              <ma14:wrappingTextBoxFlag xmlns:ma14="http://schemas.microsoft.com/office/mac/drawingml/2011/main" val="1"/>
-            </a:ext>
-          </a:extLst>
-        </p:spPr>
-        <p:txBody>
-          <a:bodyPr/>
-          <a:lstStyle>
-            <a:lvl1pPr>
-              <a:defRPr sz="4500"/>
-            </a:lvl1pPr>
-          </a:lstStyle>
-          <a:p>
-            <a:pPr lvl="0">
-              <a:defRPr sz="1800"/>
-            </a:pPr>
-            <a:r>
-              <a:rPr sz="4500"/>
-              <a:t>Vamos subir a infra?</a:t>
-            </a:r>
-          </a:p>
-        </p:txBody>
-      </p:sp>
-    </p:spTree>
-  </p:cSld>
-  <p:clrMapOvr>
-    <a:masterClrMapping/>
-  </p:clrMapOvr>
-  <p:transition spd="med" advClick="1"/>
-</p:sld>
-</file>
-
 <file path=ppt/slides/slide6.xml><?xml version="1.0" encoding="utf-8"?>
 <p:sld xmlns:a="http://schemas.openxmlformats.org/drawingml/2006/main" xmlns:r="http://schemas.openxmlformats.org/officeDocument/2006/relationships" xmlns:p="http://schemas.openxmlformats.org/presentationml/2006/main" showMasterSp="1" showMasterPhAnim="1">
   <p:cSld>
@@ -3421,7 +4391,7 @@
       </p:grpSpPr>
       <p:sp>
         <p:nvSpPr>
-          <p:cNvPr id="76" name="Shape 76"/>
+          <p:cNvPr id="79" name="Shape 79"/>
           <p:cNvSpPr/>
           <p:nvPr>
             <p:ph type="title"/>
@@ -3435,11 +4405,6 @@
           <a:prstGeom prst="rect">
             <a:avLst/>
           </a:prstGeom>
-          <a:extLst>
-            <a:ext uri="{C572A759-6A51-4108-AA02-DFA0A04FC94B}">
-              <ma14:wrappingTextBoxFlag xmlns:ma14="http://schemas.microsoft.com/office/mac/drawingml/2011/main" val="1"/>
-            </a:ext>
-          </a:extLst>
         </p:spPr>
         <p:txBody>
           <a:bodyPr/>
@@ -3454,7 +4419,7 @@
             </a:pPr>
             <a:r>
               <a:rPr sz="4500"/>
-              <a:t>Moderar?</a:t>
+              <a:t>Vamos subir a infra?</a:t>
             </a:r>
           </a:p>
         </p:txBody>
@@ -3487,40 +4452,123 @@
       </p:grpSpPr>
       <p:sp>
         <p:nvSpPr>
-          <p:cNvPr id="78" name="Shape 78"/>
+          <p:cNvPr id="81" name="Shape 81"/>
           <p:cNvSpPr/>
           <p:nvPr>
             <p:ph type="title"/>
           </p:nvPr>
         </p:nvSpPr>
         <p:spPr>
-          <a:xfrm>
-            <a:off x="492125" y="2857702"/>
-            <a:ext cx="6084129" cy="1104408"/>
-          </a:xfrm>
           <a:prstGeom prst="rect">
             <a:avLst/>
           </a:prstGeom>
-          <a:extLst>
-            <a:ext uri="{C572A759-6A51-4108-AA02-DFA0A04FC94B}">
-              <ma14:wrappingTextBoxFlag xmlns:ma14="http://schemas.microsoft.com/office/mac/drawingml/2011/main" val="1"/>
-            </a:ext>
-          </a:extLst>
         </p:spPr>
         <p:txBody>
           <a:bodyPr/>
-          <a:lstStyle>
-            <a:lvl1pPr>
-              <a:defRPr sz="4500"/>
-            </a:lvl1pPr>
-          </a:lstStyle>
+          <a:lstStyle/>
           <a:p>
             <a:pPr lvl="0">
               <a:defRPr sz="1800"/>
             </a:pPr>
             <a:r>
-              <a:rPr sz="4500"/>
-              <a:t>JSON final?</a:t>
+              <a:rPr sz="3600"/>
+              <a:t>Twitter API</a:t>
+            </a:r>
+          </a:p>
+        </p:txBody>
+      </p:sp>
+      <p:sp>
+        <p:nvSpPr>
+          <p:cNvPr id="82" name="Shape 82"/>
+          <p:cNvSpPr/>
+          <p:nvPr>
+            <p:ph type="body" idx="1"/>
+          </p:nvPr>
+        </p:nvSpPr>
+        <p:spPr>
+          <a:prstGeom prst="rect">
+            <a:avLst/>
+          </a:prstGeom>
+        </p:spPr>
+        <p:txBody>
+          <a:bodyPr/>
+          <a:lstStyle/>
+          <a:p>
+            <a:pPr lvl="0">
+              <a:buBlip>
+                <a:blip r:embed="rId2"/>
+              </a:buBlip>
+              <a:defRPr sz="1800"/>
+            </a:pPr>
+            <a:r>
+              <a:rPr sz="2800"/>
+              <a:t>Criar chaves de acesso em </a:t>
+            </a:r>
+            <a:r>
+              <a:rPr sz="2800" u="sng">
+                <a:solidFill>
+                  <a:srgbClr val="0000FF"/>
+                </a:solidFill>
+                <a:uFill>
+                  <a:solidFill>
+                    <a:srgbClr val="0000FF"/>
+                  </a:solidFill>
+                </a:uFill>
+                <a:hlinkClick r:id="rId3" invalidUrl="" action="" tgtFrame="" tooltip="" history="1" highlightClick="0" endSnd="0"/>
+              </a:rPr>
+              <a:t>dev.twitter.com</a:t>
+            </a:r>
+            <a:endParaRPr sz="2800"/>
+          </a:p>
+          <a:p>
+            <a:pPr lvl="1" marL="800099" indent="-342899">
+              <a:buBlip>
+                <a:blip r:embed="rId2"/>
+              </a:buBlip>
+              <a:defRPr sz="1800"/>
+            </a:pPr>
+            <a:r>
+              <a:rPr sz="2100"/>
+              <a:t>consumer_key = TWITTER_CONSUMER_KEY</a:t>
+            </a:r>
+            <a:endParaRPr sz="2100"/>
+          </a:p>
+          <a:p>
+            <a:pPr lvl="1" marL="800099" indent="-342899">
+              <a:buBlip>
+                <a:blip r:embed="rId2"/>
+              </a:buBlip>
+              <a:defRPr sz="1800"/>
+            </a:pPr>
+            <a:r>
+              <a:rPr sz="2100"/>
+              <a:t>consumer_secret = TWITTER_CONSUMER_SECRET</a:t>
+            </a:r>
+            <a:endParaRPr sz="2100"/>
+          </a:p>
+          <a:p>
+            <a:pPr lvl="1" marL="800099" indent="-342899">
+              <a:buBlip>
+                <a:blip r:embed="rId2"/>
+              </a:buBlip>
+              <a:defRPr sz="1800"/>
+            </a:pPr>
+            <a:r>
+              <a:rPr sz="2100"/>
+              <a:t>access_token = OAUTH_TOKEN</a:t>
+            </a:r>
+            <a:endParaRPr sz="2100"/>
+          </a:p>
+          <a:p>
+            <a:pPr lvl="1" marL="800099" indent="-342899">
+              <a:buBlip>
+                <a:blip r:embed="rId2"/>
+              </a:buBlip>
+              <a:defRPr sz="1800"/>
+            </a:pPr>
+            <a:r>
+              <a:rPr sz="2100"/>
+              <a:t>access_token_secret = OAUTH_SECRET</a:t>
             </a:r>
           </a:p>
         </p:txBody>
@@ -3553,7 +4601,7 @@
       </p:grpSpPr>
       <p:sp>
         <p:nvSpPr>
-          <p:cNvPr id="80" name="Shape 80"/>
+          <p:cNvPr id="84" name="Shape 84"/>
           <p:cNvSpPr/>
           <p:nvPr>
             <p:ph type="title"/>
@@ -3563,11 +4611,6 @@
           <a:prstGeom prst="rect">
             <a:avLst/>
           </a:prstGeom>
-          <a:extLst>
-            <a:ext uri="{C572A759-6A51-4108-AA02-DFA0A04FC94B}">
-              <ma14:wrappingTextBoxFlag xmlns:ma14="http://schemas.microsoft.com/office/mac/drawingml/2011/main" val="1"/>
-            </a:ext>
-          </a:extLst>
         </p:spPr>
         <p:txBody>
           <a:bodyPr/>
@@ -3578,14 +4621,14 @@
             </a:pPr>
             <a:r>
               <a:rPr sz="3600"/>
-              <a:t>Aplicacao</a:t>
+              <a:t>Digital Ocean</a:t>
             </a:r>
           </a:p>
         </p:txBody>
       </p:sp>
       <p:sp>
         <p:nvSpPr>
-          <p:cNvPr id="81" name="Shape 81"/>
+          <p:cNvPr id="85" name="Shape 85"/>
           <p:cNvSpPr/>
           <p:nvPr>
             <p:ph type="body" idx="1"/>
@@ -3595,28 +4638,73 @@
           <a:prstGeom prst="rect">
             <a:avLst/>
           </a:prstGeom>
-          <a:extLst>
-            <a:ext uri="{C572A759-6A51-4108-AA02-DFA0A04FC94B}">
-              <ma14:wrappingTextBoxFlag xmlns:ma14="http://schemas.microsoft.com/office/mac/drawingml/2011/main" val="1"/>
-            </a:ext>
-          </a:extLst>
         </p:spPr>
         <p:txBody>
           <a:bodyPr/>
-          <a:lstStyle>
-            <a:lvl1pPr>
+          <a:lstStyle/>
+          <a:p>
+            <a:pPr lvl="0">
               <a:buBlip>
                 <a:blip r:embed="rId2"/>
               </a:buBlip>
-            </a:lvl1pPr>
-          </a:lstStyle>
+              <a:defRPr sz="1800"/>
+            </a:pPr>
+            <a:r>
+              <a:rPr sz="2800"/>
+              <a:t>Criar uma conta com em </a:t>
+            </a:r>
+            <a:r>
+              <a:rPr sz="2800" u="sng">
+                <a:solidFill>
+                  <a:srgbClr val="0000FF"/>
+                </a:solidFill>
+                <a:uFill>
+                  <a:solidFill>
+                    <a:srgbClr val="0000FF"/>
+                  </a:solidFill>
+                </a:uFill>
+                <a:hlinkClick r:id="rId3" invalidUrl="" action="" tgtFrame="" tooltip="" history="1" highlightClick="0" endSnd="0"/>
+              </a:rPr>
+              <a:t>digitalocean.com</a:t>
+            </a:r>
+            <a:endParaRPr sz="2800"/>
+          </a:p>
           <a:p>
             <a:pPr lvl="0">
+              <a:buBlip>
+                <a:blip r:embed="rId2"/>
+              </a:buBlip>
               <a:defRPr sz="1800"/>
             </a:pPr>
             <a:r>
               <a:rPr sz="2800"/>
-              <a:t>main.ncl</a:t>
+              <a:t>Utilize uns dos vouchers:</a:t>
+            </a:r>
+            <a:endParaRPr sz="2800"/>
+          </a:p>
+          <a:p>
+            <a:pPr lvl="2" marL="1257300" indent="-342900">
+              <a:buBlip>
+                <a:blip r:embed="rId2"/>
+              </a:buBlip>
+              <a:defRPr sz="1800"/>
+            </a:pPr>
+            <a:r>
+              <a:rPr sz="2800"/>
+              <a:t>SHIPITFAST10</a:t>
+            </a:r>
+            <a:endParaRPr sz="2800"/>
+          </a:p>
+          <a:p>
+            <a:pPr lvl="2" marL="1257300" indent="-342900">
+              <a:buBlip>
+                <a:blip r:embed="rId2"/>
+              </a:buBlip>
+              <a:defRPr sz="1800"/>
+            </a:pPr>
+            <a:r>
+              <a:rPr sz="2800"/>
+              <a:t>ALLSSD10</a:t>
             </a:r>
           </a:p>
         </p:txBody>
@@ -3649,7 +4737,7 @@
       </p:grpSpPr>
       <p:sp>
         <p:nvSpPr>
-          <p:cNvPr id="83" name="Shape 83"/>
+          <p:cNvPr id="87" name="Shape 87"/>
           <p:cNvSpPr/>
           <p:nvPr>
             <p:ph type="title"/>
@@ -3659,11 +4747,6 @@
           <a:prstGeom prst="rect">
             <a:avLst/>
           </a:prstGeom>
-          <a:extLst>
-            <a:ext uri="{C572A759-6A51-4108-AA02-DFA0A04FC94B}">
-              <ma14:wrappingTextBoxFlag xmlns:ma14="http://schemas.microsoft.com/office/mac/drawingml/2011/main" val="1"/>
-            </a:ext>
-          </a:extLst>
         </p:spPr>
         <p:txBody>
           <a:bodyPr/>
@@ -3674,14 +4757,14 @@
             </a:pPr>
             <a:r>
               <a:rPr sz="3600"/>
-              <a:t>Aplicacao</a:t>
+              <a:t>Scripts</a:t>
             </a:r>
           </a:p>
         </p:txBody>
       </p:sp>
       <p:sp>
         <p:nvSpPr>
-          <p:cNvPr id="84" name="Shape 84"/>
+          <p:cNvPr id="88" name="Shape 88"/>
           <p:cNvSpPr/>
           <p:nvPr>
             <p:ph type="body" idx="1"/>
@@ -3691,28 +4774,139 @@
           <a:prstGeom prst="rect">
             <a:avLst/>
           </a:prstGeom>
-          <a:extLst>
-            <a:ext uri="{C572A759-6A51-4108-AA02-DFA0A04FC94B}">
-              <ma14:wrappingTextBoxFlag xmlns:ma14="http://schemas.microsoft.com/office/mac/drawingml/2011/main" val="1"/>
-            </a:ext>
-          </a:extLst>
         </p:spPr>
         <p:txBody>
           <a:bodyPr/>
-          <a:lstStyle>
-            <a:lvl1pPr>
+          <a:lstStyle/>
+          <a:p>
+            <a:pPr lvl="0" marL="342899" indent="-342899">
               <a:buBlip>
                 <a:blip r:embed="rId2"/>
               </a:buBlip>
-            </a:lvl1pPr>
-          </a:lstStyle>
+              <a:defRPr sz="1800"/>
+            </a:pPr>
+            <a:r>
+              <a:rPr sz="2100" u="sng">
+                <a:solidFill>
+                  <a:srgbClr val="0000FF"/>
+                </a:solidFill>
+                <a:uFill>
+                  <a:solidFill>
+                    <a:srgbClr val="0000FF"/>
+                  </a:solidFill>
+                </a:uFill>
+                <a:hlinkClick r:id="rId3" invalidUrl="" action="" tgtFrame="" tooltip="" history="1" highlightClick="0" endSnd="0"/>
+              </a:rPr>
+              <a:t>https://gist.github.com/ficosta/06e2a799c1745cc9df39Utilitarios</a:t>
+            </a:r>
+            <a:endParaRPr sz="2100"/>
+          </a:p>
+          <a:p>
+            <a:pPr lvl="0" marL="342899" indent="-342899">
+              <a:buBlip>
+                <a:blip r:embed="rId2"/>
+              </a:buBlip>
+              <a:defRPr sz="1800"/>
+            </a:pPr>
+            <a:endParaRPr sz="2100"/>
+          </a:p>
           <a:p>
             <a:pPr lvl="0">
+              <a:buBlip>
+                <a:blip r:embed="rId2"/>
+              </a:buBlip>
               <a:defRPr sz="1800"/>
             </a:pPr>
             <a:r>
               <a:rPr sz="2800"/>
-              <a:t>main.lua</a:t>
+              <a:t>web2py</a:t>
+            </a:r>
+            <a:endParaRPr sz="2800"/>
+          </a:p>
+          <a:p>
+            <a:pPr lvl="0">
+              <a:buBlip>
+                <a:blip r:embed="rId2"/>
+              </a:buBlip>
+              <a:defRPr sz="1800"/>
+            </a:pPr>
+            <a:r>
+              <a:rPr sz="2800"/>
+              <a:t>phpmyadmin</a:t>
+            </a:r>
+            <a:endParaRPr sz="2800"/>
+          </a:p>
+          <a:p>
+            <a:pPr lvl="0">
+              <a:buBlip>
+                <a:blip r:embed="rId2"/>
+              </a:buBlip>
+              <a:defRPr sz="1800"/>
+            </a:pPr>
+            <a:r>
+              <a:rPr sz="2800"/>
+              <a:t>140dev</a:t>
+            </a:r>
+            <a:endParaRPr sz="2800"/>
+          </a:p>
+          <a:p>
+            <a:pPr lvl="1" marL="800100" indent="-342900">
+              <a:buBlip>
+                <a:blip r:embed="rId2"/>
+              </a:buBlip>
+              <a:defRPr sz="1800"/>
+            </a:pPr>
+            <a:r>
+              <a:rPr sz="2800"/>
+              <a:t>criar a base de dados</a:t>
+            </a:r>
+            <a:endParaRPr sz="2800"/>
+          </a:p>
+          <a:p>
+            <a:pPr lvl="1" marL="800100" indent="-342900">
+              <a:buBlip>
+                <a:blip r:embed="rId2"/>
+              </a:buBlip>
+              <a:defRPr sz="1800"/>
+            </a:pPr>
+            <a:r>
+              <a:rPr sz="2800"/>
+              <a:t>configurar chaves de database</a:t>
+            </a:r>
+            <a:endParaRPr sz="2800"/>
+          </a:p>
+          <a:p>
+            <a:pPr lvl="0">
+              <a:buBlip>
+                <a:blip r:embed="rId2"/>
+              </a:buBlip>
+              <a:defRPr sz="1800"/>
+            </a:pPr>
+            <a:r>
+              <a:rPr sz="2800"/>
+              <a:t>subir a aplicação web2py</a:t>
+            </a:r>
+            <a:endParaRPr sz="2800"/>
+          </a:p>
+          <a:p>
+            <a:pPr lvl="0">
+              <a:buBlip>
+                <a:blip r:embed="rId2"/>
+              </a:buBlip>
+              <a:defRPr sz="1800"/>
+            </a:pPr>
+            <a:endParaRPr sz="2800"/>
+          </a:p>
+          <a:p>
+            <a:pPr lvl="0">
+              <a:buBlip>
+                <a:blip r:embed="rId2"/>
+              </a:buBlip>
+              <a:defRPr sz="1800"/>
+            </a:pPr>
+            <a:r>
+              <a:rPr sz="2800"/>
+              <a:t>testar o ponto de acesso JSON</a:t>
             </a:r>
           </a:p>
         </p:txBody>
